--- a/CaseStudy2.pptx
+++ b/CaseStudy2.pptx
@@ -870,11 +870,11 @@
 </file>
 
 <file path=ppt/diagrams/colors2.xml><?xml version="1.0" encoding="utf-8"?>
-<dgm:colorsDef xmlns:dgm="http://schemas.openxmlformats.org/drawingml/2006/diagram" xmlns:a="http://schemas.openxmlformats.org/drawingml/2006/main" uniqueId="urn:microsoft.com/office/officeart/2005/8/colors/colorful2">
+<dgm:colorsDef xmlns:dgm="http://schemas.openxmlformats.org/drawingml/2006/diagram" xmlns:a="http://schemas.openxmlformats.org/drawingml/2006/main" uniqueId="urn:microsoft.com/office/officeart/2005/8/colors/colorful1">
   <dgm:title val=""/>
   <dgm:desc val=""/>
   <dgm:catLst>
-    <dgm:cat type="colorful" pri="10200"/>
+    <dgm:cat type="colorful" pri="10100"/>
   </dgm:catLst>
   <dgm:styleLbl name="node0">
     <dgm:fillClrLst meth="repeat">
@@ -889,9 +889,12 @@
     <dgm:txEffectClrLst/>
   </dgm:styleLbl>
   <dgm:styleLbl name="node1">
-    <dgm:fillClrLst>
+    <dgm:fillClrLst meth="repeat">
       <a:schemeClr val="accent2"/>
       <a:schemeClr val="accent3"/>
+      <a:schemeClr val="accent4"/>
+      <a:schemeClr val="accent5"/>
+      <a:schemeClr val="accent6"/>
     </dgm:fillClrLst>
     <dgm:linClrLst meth="repeat">
       <a:schemeClr val="lt1"/>
@@ -902,13 +905,19 @@
     <dgm:txEffectClrLst/>
   </dgm:styleLbl>
   <dgm:styleLbl name="alignNode1">
-    <dgm:fillClrLst>
+    <dgm:fillClrLst meth="repeat">
       <a:schemeClr val="accent2"/>
       <a:schemeClr val="accent3"/>
+      <a:schemeClr val="accent4"/>
+      <a:schemeClr val="accent5"/>
+      <a:schemeClr val="accent6"/>
     </dgm:fillClrLst>
-    <dgm:linClrLst>
+    <dgm:linClrLst meth="repeat">
       <a:schemeClr val="accent2"/>
       <a:schemeClr val="accent3"/>
+      <a:schemeClr val="accent4"/>
+      <a:schemeClr val="accent5"/>
+      <a:schemeClr val="accent6"/>
     </dgm:linClrLst>
     <dgm:effectClrLst/>
     <dgm:txLinClrLst/>
@@ -916,9 +925,12 @@
     <dgm:txEffectClrLst/>
   </dgm:styleLbl>
   <dgm:styleLbl name="lnNode1">
-    <dgm:fillClrLst>
+    <dgm:fillClrLst meth="repeat">
       <a:schemeClr val="accent2"/>
       <a:schemeClr val="accent3"/>
+      <a:schemeClr val="accent4"/>
+      <a:schemeClr val="accent5"/>
+      <a:schemeClr val="accent6"/>
     </dgm:fillClrLst>
     <dgm:linClrLst meth="repeat">
       <a:schemeClr val="lt1"/>
@@ -929,11 +941,20 @@
     <dgm:txEffectClrLst/>
   </dgm:styleLbl>
   <dgm:styleLbl name="vennNode1">
-    <dgm:fillClrLst>
+    <dgm:fillClrLst meth="repeat">
       <a:schemeClr val="accent2">
         <a:alpha val="50000"/>
       </a:schemeClr>
       <a:schemeClr val="accent3">
+        <a:alpha val="50000"/>
+      </a:schemeClr>
+      <a:schemeClr val="accent4">
+        <a:alpha val="50000"/>
+      </a:schemeClr>
+      <a:schemeClr val="accent5">
+        <a:alpha val="50000"/>
+      </a:schemeClr>
+      <a:schemeClr val="accent6">
         <a:alpha val="50000"/>
       </a:schemeClr>
     </dgm:fillClrLst>
@@ -947,6 +968,18 @@
   </dgm:styleLbl>
   <dgm:styleLbl name="node2">
     <dgm:fillClrLst>
+      <a:schemeClr val="accent2"/>
+    </dgm:fillClrLst>
+    <dgm:linClrLst meth="repeat">
+      <a:schemeClr val="lt1"/>
+    </dgm:linClrLst>
+    <dgm:effectClrLst/>
+    <dgm:txLinClrLst/>
+    <dgm:txFillClrLst/>
+    <dgm:txEffectClrLst/>
+  </dgm:styleLbl>
+  <dgm:styleLbl name="node3">
+    <dgm:fillClrLst>
       <a:schemeClr val="accent3"/>
     </dgm:fillClrLst>
     <dgm:linClrLst meth="repeat">
@@ -957,7 +990,7 @@
     <dgm:txFillClrLst/>
     <dgm:txEffectClrLst/>
   </dgm:styleLbl>
-  <dgm:styleLbl name="node3">
+  <dgm:styleLbl name="node4">
     <dgm:fillClrLst>
       <a:schemeClr val="accent4"/>
     </dgm:fillClrLst>
@@ -969,24 +1002,21 @@
     <dgm:txFillClrLst/>
     <dgm:txEffectClrLst/>
   </dgm:styleLbl>
-  <dgm:styleLbl name="node4">
-    <dgm:fillClrLst>
-      <a:schemeClr val="accent5"/>
-    </dgm:fillClrLst>
-    <dgm:linClrLst meth="repeat">
-      <a:schemeClr val="lt1"/>
-    </dgm:linClrLst>
-    <dgm:effectClrLst/>
-    <dgm:txLinClrLst/>
-    <dgm:txFillClrLst/>
-    <dgm:txEffectClrLst/>
-  </dgm:styleLbl>
   <dgm:styleLbl name="fgImgPlace1">
-    <dgm:fillClrLst>
+    <dgm:fillClrLst meth="repeat">
       <a:schemeClr val="accent2">
         <a:tint val="50000"/>
       </a:schemeClr>
       <a:schemeClr val="accent3">
+        <a:tint val="50000"/>
+      </a:schemeClr>
+      <a:schemeClr val="accent4">
+        <a:tint val="50000"/>
+      </a:schemeClr>
+      <a:schemeClr val="accent5">
+        <a:tint val="50000"/>
+      </a:schemeClr>
+      <a:schemeClr val="accent6">
         <a:tint val="50000"/>
       </a:schemeClr>
     </dgm:fillClrLst>
@@ -1002,10 +1032,10 @@
   </dgm:styleLbl>
   <dgm:styleLbl name="alignImgPlace1">
     <dgm:fillClrLst>
-      <a:schemeClr val="accent2">
+      <a:schemeClr val="accent1">
         <a:tint val="50000"/>
       </a:schemeClr>
-      <a:schemeClr val="accent3">
+      <a:schemeClr val="accent2">
         <a:tint val="20000"/>
       </a:schemeClr>
     </dgm:fillClrLst>
@@ -1021,10 +1051,10 @@
   </dgm:styleLbl>
   <dgm:styleLbl name="bgImgPlace1">
     <dgm:fillClrLst>
-      <a:schemeClr val="accent2">
+      <a:schemeClr val="accent1">
         <a:tint val="50000"/>
       </a:schemeClr>
-      <a:schemeClr val="accent3">
+      <a:schemeClr val="accent2">
         <a:tint val="20000"/>
       </a:schemeClr>
     </dgm:fillClrLst>
@@ -1039,11 +1069,14 @@
     <dgm:txEffectClrLst/>
   </dgm:styleLbl>
   <dgm:styleLbl name="sibTrans2D1">
-    <dgm:fillClrLst>
+    <dgm:fillClrLst meth="repeat">
       <a:schemeClr val="accent2"/>
       <a:schemeClr val="accent3"/>
+      <a:schemeClr val="accent4"/>
+      <a:schemeClr val="accent5"/>
+      <a:schemeClr val="accent6"/>
     </dgm:fillClrLst>
-    <dgm:linClrLst meth="repeat">
+    <dgm:linClrLst meth="cycle">
       <a:schemeClr val="lt1"/>
     </dgm:linClrLst>
     <dgm:effectClrLst/>
@@ -1052,11 +1085,14 @@
     <dgm:txEffectClrLst/>
   </dgm:styleLbl>
   <dgm:styleLbl name="fgSibTrans2D1">
-    <dgm:fillClrLst>
+    <dgm:fillClrLst meth="repeat">
       <a:schemeClr val="accent2"/>
       <a:schemeClr val="accent3"/>
+      <a:schemeClr val="accent4"/>
+      <a:schemeClr val="accent5"/>
+      <a:schemeClr val="accent6"/>
     </dgm:fillClrLst>
-    <dgm:linClrLst meth="repeat">
+    <dgm:linClrLst meth="cycle">
       <a:schemeClr val="lt1"/>
     </dgm:linClrLst>
     <dgm:effectClrLst/>
@@ -1067,11 +1103,14 @@
     <dgm:txEffectClrLst/>
   </dgm:styleLbl>
   <dgm:styleLbl name="bgSibTrans2D1">
-    <dgm:fillClrLst>
+    <dgm:fillClrLst meth="repeat">
       <a:schemeClr val="accent2"/>
       <a:schemeClr val="accent3"/>
+      <a:schemeClr val="accent4"/>
+      <a:schemeClr val="accent5"/>
+      <a:schemeClr val="accent6"/>
     </dgm:fillClrLst>
-    <dgm:linClrLst meth="repeat">
+    <dgm:linClrLst meth="cycle">
       <a:schemeClr val="lt1"/>
     </dgm:linClrLst>
     <dgm:effectClrLst/>
@@ -1082,10 +1121,19 @@
     <dgm:txEffectClrLst/>
   </dgm:styleLbl>
   <dgm:styleLbl name="sibTrans1D1">
-    <dgm:fillClrLst/>
-    <dgm:linClrLst>
+    <dgm:fillClrLst meth="repeat">
       <a:schemeClr val="accent2"/>
       <a:schemeClr val="accent3"/>
+      <a:schemeClr val="accent4"/>
+      <a:schemeClr val="accent5"/>
+      <a:schemeClr val="accent6"/>
+    </dgm:fillClrLst>
+    <dgm:linClrLst meth="repeat">
+      <a:schemeClr val="accent2"/>
+      <a:schemeClr val="accent3"/>
+      <a:schemeClr val="accent4"/>
+      <a:schemeClr val="accent5"/>
+      <a:schemeClr val="accent6"/>
     </dgm:linClrLst>
     <dgm:effectClrLst/>
     <dgm:txLinClrLst/>
@@ -1112,12 +1160,10 @@
   </dgm:styleLbl>
   <dgm:styleLbl name="asst0">
     <dgm:fillClrLst meth="repeat">
-      <a:schemeClr val="accent2"/>
+      <a:schemeClr val="accent1"/>
     </dgm:fillClrLst>
     <dgm:linClrLst meth="repeat">
-      <a:schemeClr val="lt1">
-        <a:shade val="80000"/>
-      </a:schemeClr>
+      <a:schemeClr val="lt1"/>
     </dgm:linClrLst>
     <dgm:effectClrLst/>
     <dgm:txLinClrLst/>
@@ -1126,12 +1172,10 @@
   </dgm:styleLbl>
   <dgm:styleLbl name="asst1">
     <dgm:fillClrLst meth="repeat">
-      <a:schemeClr val="accent3"/>
+      <a:schemeClr val="accent2"/>
     </dgm:fillClrLst>
     <dgm:linClrLst meth="repeat">
-      <a:schemeClr val="lt1">
-        <a:shade val="80000"/>
-      </a:schemeClr>
+      <a:schemeClr val="lt1"/>
     </dgm:linClrLst>
     <dgm:effectClrLst/>
     <dgm:txLinClrLst/>
@@ -1139,6 +1183,18 @@
     <dgm:txEffectClrLst/>
   </dgm:styleLbl>
   <dgm:styleLbl name="asst2">
+    <dgm:fillClrLst>
+      <a:schemeClr val="accent3"/>
+    </dgm:fillClrLst>
+    <dgm:linClrLst meth="repeat">
+      <a:schemeClr val="lt1"/>
+    </dgm:linClrLst>
+    <dgm:effectClrLst/>
+    <dgm:txLinClrLst/>
+    <dgm:txFillClrLst/>
+    <dgm:txEffectClrLst/>
+  </dgm:styleLbl>
+  <dgm:styleLbl name="asst3">
     <dgm:fillClrLst>
       <a:schemeClr val="accent4"/>
     </dgm:fillClrLst>
@@ -1150,21 +1206,9 @@
     <dgm:txFillClrLst/>
     <dgm:txEffectClrLst/>
   </dgm:styleLbl>
-  <dgm:styleLbl name="asst3">
+  <dgm:styleLbl name="asst4">
     <dgm:fillClrLst>
       <a:schemeClr val="accent5"/>
-    </dgm:fillClrLst>
-    <dgm:linClrLst meth="repeat">
-      <a:schemeClr val="lt1"/>
-    </dgm:linClrLst>
-    <dgm:effectClrLst/>
-    <dgm:txLinClrLst/>
-    <dgm:txFillClrLst/>
-    <dgm:txEffectClrLst/>
-  </dgm:styleLbl>
-  <dgm:styleLbl name="asst4">
-    <dgm:fillClrLst>
-      <a:schemeClr val="accent6"/>
     </dgm:fillClrLst>
     <dgm:linClrLst meth="repeat">
       <a:schemeClr val="lt1"/>
@@ -1231,6 +1275,22 @@
       <a:schemeClr val="accent2"/>
     </dgm:fillClrLst>
     <dgm:linClrLst meth="repeat">
+      <a:schemeClr val="accent1"/>
+    </dgm:linClrLst>
+    <dgm:effectClrLst/>
+    <dgm:txLinClrLst/>
+    <dgm:txFillClrLst meth="repeat">
+      <a:schemeClr val="tx1"/>
+    </dgm:txFillClrLst>
+    <dgm:txEffectClrLst/>
+  </dgm:styleLbl>
+  <dgm:styleLbl name="parChTrans1D2">
+    <dgm:fillClrLst meth="repeat">
+      <a:schemeClr val="accent3">
+        <a:tint val="90000"/>
+      </a:schemeClr>
+    </dgm:fillClrLst>
+    <dgm:linClrLst meth="repeat">
       <a:schemeClr val="accent2"/>
     </dgm:linClrLst>
     <dgm:effectClrLst/>
@@ -1240,10 +1300,10 @@
     </dgm:txFillClrLst>
     <dgm:txEffectClrLst/>
   </dgm:styleLbl>
-  <dgm:styleLbl name="parChTrans1D2">
+  <dgm:styleLbl name="parChTrans1D3">
     <dgm:fillClrLst meth="repeat">
-      <a:schemeClr val="accent2">
-        <a:tint val="90000"/>
+      <a:schemeClr val="accent4">
+        <a:tint val="70000"/>
       </a:schemeClr>
     </dgm:fillClrLst>
     <dgm:linClrLst meth="repeat">
@@ -1256,10 +1316,10 @@
     </dgm:txFillClrLst>
     <dgm:txEffectClrLst/>
   </dgm:styleLbl>
-  <dgm:styleLbl name="parChTrans1D3">
+  <dgm:styleLbl name="parChTrans1D4">
     <dgm:fillClrLst meth="repeat">
-      <a:schemeClr val="accent2">
-        <a:tint val="70000"/>
+      <a:schemeClr val="accent5">
+        <a:tint val="50000"/>
       </a:schemeClr>
     </dgm:fillClrLst>
     <dgm:linClrLst meth="repeat">
@@ -1272,31 +1332,18 @@
     </dgm:txFillClrLst>
     <dgm:txEffectClrLst/>
   </dgm:styleLbl>
-  <dgm:styleLbl name="parChTrans1D4">
-    <dgm:fillClrLst meth="repeat">
-      <a:schemeClr val="accent2">
-        <a:tint val="50000"/>
-      </a:schemeClr>
-    </dgm:fillClrLst>
-    <dgm:linClrLst meth="repeat">
-      <a:schemeClr val="accent5"/>
-    </dgm:linClrLst>
-    <dgm:effectClrLst/>
-    <dgm:txLinClrLst/>
-    <dgm:txFillClrLst meth="repeat">
-      <a:schemeClr val="tx1"/>
-    </dgm:txFillClrLst>
-    <dgm:txEffectClrLst/>
-  </dgm:styleLbl>
   <dgm:styleLbl name="fgAcc1">
     <dgm:fillClrLst meth="repeat">
       <a:schemeClr val="lt1">
         <a:alpha val="90000"/>
       </a:schemeClr>
     </dgm:fillClrLst>
-    <dgm:linClrLst>
+    <dgm:linClrLst meth="repeat">
       <a:schemeClr val="accent2"/>
       <a:schemeClr val="accent3"/>
+      <a:schemeClr val="accent4"/>
+      <a:schemeClr val="accent5"/>
+      <a:schemeClr val="accent6"/>
     </dgm:linClrLst>
     <dgm:effectClrLst/>
     <dgm:txLinClrLst/>
@@ -1311,9 +1358,12 @@
         <a:alpha val="90000"/>
       </a:schemeClr>
     </dgm:fillClrLst>
-    <dgm:linClrLst>
+    <dgm:linClrLst meth="repeat">
       <a:schemeClr val="accent2"/>
       <a:schemeClr val="accent3"/>
+      <a:schemeClr val="accent4"/>
+      <a:schemeClr val="accent5"/>
+      <a:schemeClr val="accent6"/>
     </dgm:linClrLst>
     <dgm:effectClrLst/>
     <dgm:txLinClrLst/>
@@ -1328,9 +1378,12 @@
         <a:alpha val="90000"/>
       </a:schemeClr>
     </dgm:fillClrLst>
-    <dgm:linClrLst>
+    <dgm:linClrLst meth="repeat">
       <a:schemeClr val="accent2"/>
       <a:schemeClr val="accent3"/>
+      <a:schemeClr val="accent4"/>
+      <a:schemeClr val="accent5"/>
+      <a:schemeClr val="accent6"/>
     </dgm:linClrLst>
     <dgm:effectClrLst/>
     <dgm:txLinClrLst/>
@@ -1346,7 +1399,7 @@
       </a:schemeClr>
     </dgm:fillClrLst>
     <dgm:linClrLst meth="repeat">
-      <a:schemeClr val="accent2"/>
+      <a:schemeClr val="accent1"/>
     </dgm:linClrLst>
     <dgm:effectClrLst/>
     <dgm:txLinClrLst/>
@@ -1361,9 +1414,12 @@
         <a:alpha val="90000"/>
       </a:schemeClr>
     </dgm:fillClrLst>
-    <dgm:linClrLst>
+    <dgm:linClrLst meth="repeat">
       <a:schemeClr val="accent2"/>
       <a:schemeClr val="accent3"/>
+      <a:schemeClr val="accent4"/>
+      <a:schemeClr val="accent5"/>
+      <a:schemeClr val="accent6"/>
     </dgm:linClrLst>
     <dgm:effectClrLst/>
     <dgm:txLinClrLst/>
@@ -1376,9 +1432,12 @@
     <dgm:fillClrLst meth="repeat">
       <a:schemeClr val="lt1"/>
     </dgm:fillClrLst>
-    <dgm:linClrLst>
+    <dgm:linClrLst meth="repeat">
       <a:schemeClr val="accent2"/>
       <a:schemeClr val="accent3"/>
+      <a:schemeClr val="accent4"/>
+      <a:schemeClr val="accent5"/>
+      <a:schemeClr val="accent6"/>
     </dgm:linClrLst>
     <dgm:effectClrLst/>
     <dgm:txLinClrLst/>
@@ -1391,9 +1450,12 @@
     <dgm:fillClrLst meth="repeat">
       <a:schemeClr val="lt1"/>
     </dgm:fillClrLst>
-    <dgm:linClrLst>
+    <dgm:linClrLst meth="repeat">
       <a:schemeClr val="accent2"/>
       <a:schemeClr val="accent3"/>
+      <a:schemeClr val="accent4"/>
+      <a:schemeClr val="accent5"/>
+      <a:schemeClr val="accent6"/>
     </dgm:linClrLst>
     <dgm:effectClrLst/>
     <dgm:txLinClrLst/>
@@ -1406,9 +1468,12 @@
     <dgm:fillClrLst meth="repeat">
       <a:schemeClr val="lt1"/>
     </dgm:fillClrLst>
-    <dgm:linClrLst>
+    <dgm:linClrLst meth="repeat">
       <a:schemeClr val="accent2"/>
       <a:schemeClr val="accent3"/>
+      <a:schemeClr val="accent4"/>
+      <a:schemeClr val="accent5"/>
+      <a:schemeClr val="accent6"/>
     </dgm:linClrLst>
     <dgm:effectClrLst/>
     <dgm:txLinClrLst/>
@@ -1418,7 +1483,7 @@
     <dgm:txEffectClrLst/>
   </dgm:styleLbl>
   <dgm:styleLbl name="fgAccFollowNode1">
-    <dgm:fillClrLst>
+    <dgm:fillClrLst meth="repeat">
       <a:schemeClr val="accent2">
         <a:tint val="40000"/>
         <a:alpha val="90000"/>
@@ -1427,13 +1492,37 @@
         <a:tint val="40000"/>
         <a:alpha val="90000"/>
       </a:schemeClr>
+      <a:schemeClr val="accent4">
+        <a:tint val="40000"/>
+        <a:alpha val="90000"/>
+      </a:schemeClr>
+      <a:schemeClr val="accent5">
+        <a:tint val="40000"/>
+        <a:alpha val="90000"/>
+      </a:schemeClr>
+      <a:schemeClr val="accent6">
+        <a:tint val="40000"/>
+        <a:alpha val="90000"/>
+      </a:schemeClr>
     </dgm:fillClrLst>
-    <dgm:linClrLst>
+    <dgm:linClrLst meth="repeat">
       <a:schemeClr val="accent2">
         <a:tint val="40000"/>
         <a:alpha val="90000"/>
       </a:schemeClr>
       <a:schemeClr val="accent3">
+        <a:tint val="40000"/>
+        <a:alpha val="90000"/>
+      </a:schemeClr>
+      <a:schemeClr val="accent4">
+        <a:tint val="40000"/>
+        <a:alpha val="90000"/>
+      </a:schemeClr>
+      <a:schemeClr val="accent5">
+        <a:tint val="40000"/>
+        <a:alpha val="90000"/>
+      </a:schemeClr>
+      <a:schemeClr val="accent6">
         <a:tint val="40000"/>
         <a:alpha val="90000"/>
       </a:schemeClr>
@@ -1446,7 +1535,7 @@
     <dgm:txEffectClrLst/>
   </dgm:styleLbl>
   <dgm:styleLbl name="alignAccFollowNode1">
-    <dgm:fillClrLst>
+    <dgm:fillClrLst meth="repeat">
       <a:schemeClr val="accent2">
         <a:tint val="40000"/>
         <a:alpha val="90000"/>
@@ -1455,13 +1544,37 @@
         <a:tint val="40000"/>
         <a:alpha val="90000"/>
       </a:schemeClr>
+      <a:schemeClr val="accent4">
+        <a:tint val="40000"/>
+        <a:alpha val="90000"/>
+      </a:schemeClr>
+      <a:schemeClr val="accent5">
+        <a:tint val="40000"/>
+        <a:alpha val="90000"/>
+      </a:schemeClr>
+      <a:schemeClr val="accent6">
+        <a:tint val="40000"/>
+        <a:alpha val="90000"/>
+      </a:schemeClr>
     </dgm:fillClrLst>
-    <dgm:linClrLst>
+    <dgm:linClrLst meth="repeat">
       <a:schemeClr val="accent2">
         <a:tint val="40000"/>
         <a:alpha val="90000"/>
       </a:schemeClr>
       <a:schemeClr val="accent3">
+        <a:tint val="40000"/>
+        <a:alpha val="90000"/>
+      </a:schemeClr>
+      <a:schemeClr val="accent4">
+        <a:tint val="40000"/>
+        <a:alpha val="90000"/>
+      </a:schemeClr>
+      <a:schemeClr val="accent5">
+        <a:tint val="40000"/>
+        <a:alpha val="90000"/>
+      </a:schemeClr>
+      <a:schemeClr val="accent6">
         <a:tint val="40000"/>
         <a:alpha val="90000"/>
       </a:schemeClr>
@@ -1474,7 +1587,7 @@
     <dgm:txEffectClrLst/>
   </dgm:styleLbl>
   <dgm:styleLbl name="bgAccFollowNode1">
-    <dgm:fillClrLst>
+    <dgm:fillClrLst meth="repeat">
       <a:schemeClr val="accent2">
         <a:tint val="40000"/>
         <a:alpha val="90000"/>
@@ -1483,13 +1596,37 @@
         <a:tint val="40000"/>
         <a:alpha val="90000"/>
       </a:schemeClr>
+      <a:schemeClr val="accent4">
+        <a:tint val="40000"/>
+        <a:alpha val="90000"/>
+      </a:schemeClr>
+      <a:schemeClr val="accent5">
+        <a:tint val="40000"/>
+        <a:alpha val="90000"/>
+      </a:schemeClr>
+      <a:schemeClr val="accent6">
+        <a:tint val="40000"/>
+        <a:alpha val="90000"/>
+      </a:schemeClr>
     </dgm:fillClrLst>
-    <dgm:linClrLst>
+    <dgm:linClrLst meth="repeat">
       <a:schemeClr val="accent2">
         <a:tint val="40000"/>
         <a:alpha val="90000"/>
       </a:schemeClr>
       <a:schemeClr val="accent3">
+        <a:tint val="40000"/>
+        <a:alpha val="90000"/>
+      </a:schemeClr>
+      <a:schemeClr val="accent4">
+        <a:tint val="40000"/>
+        <a:alpha val="90000"/>
+      </a:schemeClr>
+      <a:schemeClr val="accent5">
+        <a:tint val="40000"/>
+        <a:alpha val="90000"/>
+      </a:schemeClr>
+      <a:schemeClr val="accent6">
         <a:tint val="40000"/>
         <a:alpha val="90000"/>
       </a:schemeClr>
@@ -1524,6 +1661,22 @@
       </a:schemeClr>
     </dgm:fillClrLst>
     <dgm:linClrLst>
+      <a:schemeClr val="accent2"/>
+    </dgm:linClrLst>
+    <dgm:effectClrLst/>
+    <dgm:txLinClrLst/>
+    <dgm:txFillClrLst meth="repeat">
+      <a:schemeClr val="dk1"/>
+    </dgm:txFillClrLst>
+    <dgm:txEffectClrLst/>
+  </dgm:styleLbl>
+  <dgm:styleLbl name="fgAcc3">
+    <dgm:fillClrLst meth="repeat">
+      <a:schemeClr val="lt1">
+        <a:alpha val="90000"/>
+      </a:schemeClr>
+    </dgm:fillClrLst>
+    <dgm:linClrLst>
       <a:schemeClr val="accent3"/>
     </dgm:linClrLst>
     <dgm:effectClrLst/>
@@ -1533,7 +1686,7 @@
     </dgm:txFillClrLst>
     <dgm:txEffectClrLst/>
   </dgm:styleLbl>
-  <dgm:styleLbl name="fgAcc3">
+  <dgm:styleLbl name="fgAcc4">
     <dgm:fillClrLst meth="repeat">
       <a:schemeClr val="lt1">
         <a:alpha val="90000"/>
@@ -1541,22 +1694,6 @@
     </dgm:fillClrLst>
     <dgm:linClrLst>
       <a:schemeClr val="accent4"/>
-    </dgm:linClrLst>
-    <dgm:effectClrLst/>
-    <dgm:txLinClrLst/>
-    <dgm:txFillClrLst meth="repeat">
-      <a:schemeClr val="dk1"/>
-    </dgm:txFillClrLst>
-    <dgm:txEffectClrLst/>
-  </dgm:styleLbl>
-  <dgm:styleLbl name="fgAcc4">
-    <dgm:fillClrLst meth="repeat">
-      <a:schemeClr val="lt1">
-        <a:alpha val="90000"/>
-      </a:schemeClr>
-    </dgm:fillClrLst>
-    <dgm:linClrLst>
-      <a:schemeClr val="accent5"/>
     </dgm:linClrLst>
     <dgm:effectClrLst/>
     <dgm:txLinClrLst/>
@@ -1599,7 +1736,7 @@
   </dgm:styleLbl>
   <dgm:styleLbl name="trBgShp">
     <dgm:fillClrLst meth="repeat">
-      <a:schemeClr val="accent2">
+      <a:schemeClr val="accent1">
         <a:tint val="50000"/>
         <a:alpha val="40000"/>
       </a:schemeClr>
@@ -2225,7 +2362,7 @@
 <dgm:dataModel xmlns:dgm="http://schemas.openxmlformats.org/drawingml/2006/diagram" xmlns:a="http://schemas.openxmlformats.org/drawingml/2006/main">
   <dgm:ptLst>
     <dgm:pt modelId="{E80F9A67-A71B-4AEC-AC86-9343B88227D6}" type="doc">
-      <dgm:prSet loTypeId="urn:microsoft.com/office/officeart/2005/8/layout/vList2" loCatId="list" qsTypeId="urn:microsoft.com/office/officeart/2005/8/quickstyle/simple4" qsCatId="simple" csTypeId="urn:microsoft.com/office/officeart/2005/8/colors/colorful2" csCatId="colorful"/>
+      <dgm:prSet loTypeId="urn:microsoft.com/office/officeart/2005/8/layout/vList2" loCatId="list" qsTypeId="urn:microsoft.com/office/officeart/2005/8/quickstyle/simple5" qsCatId="simple" csTypeId="urn:microsoft.com/office/officeart/2005/8/colors/colorful1" csCatId="colorful"/>
       <dgm:spPr/>
       <dgm:t>
         <a:bodyPr/>
@@ -2559,7 +2696,7 @@
         </a:p>
       </dgm:t>
     </dgm:pt>
-    <dgm:pt modelId="{5FF696D7-D501-4F4E-9D1F-B9601247DF76}" type="pres">
+    <dgm:pt modelId="{0AFC8230-D5BC-7445-B44C-3DBCEA0C77F5}" type="pres">
       <dgm:prSet presAssocID="{E80F9A67-A71B-4AEC-AC86-9343B88227D6}" presName="linear" presStyleCnt="0">
         <dgm:presLayoutVars>
           <dgm:animLvl val="lvl"/>
@@ -2568,7 +2705,7 @@
       </dgm:prSet>
       <dgm:spPr/>
     </dgm:pt>
-    <dgm:pt modelId="{D0C31C5A-6815-6E46-98E0-455BC413E886}" type="pres">
+    <dgm:pt modelId="{7CB8DCDF-3743-B046-8D3A-A8C5E8A11163}" type="pres">
       <dgm:prSet presAssocID="{F39883B8-AB0E-471B-BA71-D1D57BB9AF84}" presName="parentText" presStyleLbl="node1" presStyleIdx="0" presStyleCnt="1">
         <dgm:presLayoutVars>
           <dgm:chMax val="0"/>
@@ -2577,7 +2714,7 @@
       </dgm:prSet>
       <dgm:spPr/>
     </dgm:pt>
-    <dgm:pt modelId="{D5E1E5A2-A5D1-3A4F-9F6A-A57E664C4616}" type="pres">
+    <dgm:pt modelId="{257BE715-AC11-B140-8096-F214434B19ED}" type="pres">
       <dgm:prSet presAssocID="{F39883B8-AB0E-471B-BA71-D1D57BB9AF84}" presName="childText" presStyleLbl="revTx" presStyleIdx="0" presStyleCnt="1">
         <dgm:presLayoutVars>
           <dgm:bulletEnabled val="1"/>
@@ -2587,27 +2724,27 @@
     </dgm:pt>
   </dgm:ptLst>
   <dgm:cxnLst>
-    <dgm:cxn modelId="{8763BB0D-BEFC-AC41-A9E9-005E0E41340D}" type="presOf" srcId="{0848350B-3379-4D31-A71F-82529052DB38}" destId="{D5E1E5A2-A5D1-3A4F-9F6A-A57E664C4616}" srcOrd="0" destOrd="1" presId="urn:microsoft.com/office/officeart/2005/8/layout/vList2"/>
-    <dgm:cxn modelId="{89E1A423-E88D-A848-881D-B26DF18EF133}" type="presOf" srcId="{E80F9A67-A71B-4AEC-AC86-9343B88227D6}" destId="{5FF696D7-D501-4F4E-9D1F-B9601247DF76}" srcOrd="0" destOrd="0" presId="urn:microsoft.com/office/officeart/2005/8/layout/vList2"/>
+    <dgm:cxn modelId="{38C4FA0E-70B5-634C-A32E-8DDEFF5EF8D8}" type="presOf" srcId="{91688653-98A7-4856-8255-3F417C41B335}" destId="{257BE715-AC11-B140-8096-F214434B19ED}" srcOrd="0" destOrd="3" presId="urn:microsoft.com/office/officeart/2005/8/layout/vList2"/>
+    <dgm:cxn modelId="{74FCBE16-81E1-AC46-B64D-A57B827525FB}" type="presOf" srcId="{A6E71DF1-AF08-4A0C-8051-198A33D81CB5}" destId="{257BE715-AC11-B140-8096-F214434B19ED}" srcOrd="0" destOrd="2" presId="urn:microsoft.com/office/officeart/2005/8/layout/vList2"/>
     <dgm:cxn modelId="{7AB4293B-BF3A-4E09-8E49-CA2129521770}" srcId="{F39883B8-AB0E-471B-BA71-D1D57BB9AF84}" destId="{DCECE8A3-5534-4E1A-95FD-C87CDA689952}" srcOrd="0" destOrd="0" parTransId="{91FA7087-1749-4C3D-84A2-FA2631601EB8}" sibTransId="{70A01323-85A6-4FBA-8DEA-395FBD657532}"/>
-    <dgm:cxn modelId="{576B7549-CE26-B747-B1FA-1D0C78775107}" type="presOf" srcId="{AAA89F62-0C30-4820-8552-78B6AEED5986}" destId="{D5E1E5A2-A5D1-3A4F-9F6A-A57E664C4616}" srcOrd="0" destOrd="6" presId="urn:microsoft.com/office/officeart/2005/8/layout/vList2"/>
+    <dgm:cxn modelId="{1260B94F-3E47-8E4E-A904-34E42B2C810B}" type="presOf" srcId="{AAA89F62-0C30-4820-8552-78B6AEED5986}" destId="{257BE715-AC11-B140-8096-F214434B19ED}" srcOrd="0" destOrd="6" presId="urn:microsoft.com/office/officeart/2005/8/layout/vList2"/>
     <dgm:cxn modelId="{4A37FF5A-A399-4FBD-9D37-EA0E327726FC}" srcId="{F39883B8-AB0E-471B-BA71-D1D57BB9AF84}" destId="{0B4584F7-7CC9-4BE3-9319-9E9248331446}" srcOrd="7" destOrd="0" parTransId="{90CFA49D-0CAE-4D35-9974-AA16C43BF8F2}" sibTransId="{5EADE9AC-46C7-4A90-B688-B2CA509F6D1D}"/>
-    <dgm:cxn modelId="{99925169-D6DE-0040-A134-ADC684D54A58}" type="presOf" srcId="{EAF5BBC7-53C5-47E1-85BB-644F019E7C4D}" destId="{D5E1E5A2-A5D1-3A4F-9F6A-A57E664C4616}" srcOrd="0" destOrd="4" presId="urn:microsoft.com/office/officeart/2005/8/layout/vList2"/>
-    <dgm:cxn modelId="{3F75B570-8F45-7E4D-869E-9176B91676E2}" type="presOf" srcId="{DCECE8A3-5534-4E1A-95FD-C87CDA689952}" destId="{D5E1E5A2-A5D1-3A4F-9F6A-A57E664C4616}" srcOrd="0" destOrd="0" presId="urn:microsoft.com/office/officeart/2005/8/layout/vList2"/>
+    <dgm:cxn modelId="{379C4E7C-820C-A047-9BB8-B74CCFF21F87}" type="presOf" srcId="{53BE604C-6232-40BE-95AC-5F705E596953}" destId="{257BE715-AC11-B140-8096-F214434B19ED}" srcOrd="0" destOrd="5" presId="urn:microsoft.com/office/officeart/2005/8/layout/vList2"/>
     <dgm:cxn modelId="{7B491A80-D2F7-41CF-9B99-F2A9B90F1A17}" srcId="{F39883B8-AB0E-471B-BA71-D1D57BB9AF84}" destId="{0848350B-3379-4D31-A71F-82529052DB38}" srcOrd="1" destOrd="0" parTransId="{ED9A264E-2F1D-4985-9A95-3941B4526ABA}" sibTransId="{256952DB-BFE8-46A0-8DCC-25155C853157}"/>
-    <dgm:cxn modelId="{CCC00B94-06BE-0946-89F5-2D9782807E3E}" type="presOf" srcId="{53BE604C-6232-40BE-95AC-5F705E596953}" destId="{D5E1E5A2-A5D1-3A4F-9F6A-A57E664C4616}" srcOrd="0" destOrd="5" presId="urn:microsoft.com/office/officeart/2005/8/layout/vList2"/>
-    <dgm:cxn modelId="{D296CD9C-2293-BB4A-B933-AA2C4D01CC14}" type="presOf" srcId="{0B4584F7-7CC9-4BE3-9319-9E9248331446}" destId="{D5E1E5A2-A5D1-3A4F-9F6A-A57E664C4616}" srcOrd="0" destOrd="7" presId="urn:microsoft.com/office/officeart/2005/8/layout/vList2"/>
+    <dgm:cxn modelId="{20971581-4848-3946-BB56-61A6D5CE4FAB}" type="presOf" srcId="{DCECE8A3-5534-4E1A-95FD-C87CDA689952}" destId="{257BE715-AC11-B140-8096-F214434B19ED}" srcOrd="0" destOrd="0" presId="urn:microsoft.com/office/officeart/2005/8/layout/vList2"/>
+    <dgm:cxn modelId="{1B3D9B86-E45F-B94A-8EDE-0E841AA7695A}" type="presOf" srcId="{F39883B8-AB0E-471B-BA71-D1D57BB9AF84}" destId="{7CB8DCDF-3743-B046-8D3A-A8C5E8A11163}" srcOrd="0" destOrd="0" presId="urn:microsoft.com/office/officeart/2005/8/layout/vList2"/>
     <dgm:cxn modelId="{93E9DF9F-6431-4723-9161-3487EDE9E2C6}" srcId="{E80F9A67-A71B-4AEC-AC86-9343B88227D6}" destId="{F39883B8-AB0E-471B-BA71-D1D57BB9AF84}" srcOrd="0" destOrd="0" parTransId="{164EA2BF-6519-4C98-94DF-E40B5C654BFE}" sibTransId="{B93B67F2-3FE8-408A-91F9-4C083489B51F}"/>
-    <dgm:cxn modelId="{2A5CD2AF-021F-9047-A372-A134BBD52DB7}" type="presOf" srcId="{A6E71DF1-AF08-4A0C-8051-198A33D81CB5}" destId="{D5E1E5A2-A5D1-3A4F-9F6A-A57E664C4616}" srcOrd="0" destOrd="2" presId="urn:microsoft.com/office/officeart/2005/8/layout/vList2"/>
+    <dgm:cxn modelId="{A09BF3A0-5505-804B-A034-159F0D817180}" type="presOf" srcId="{0848350B-3379-4D31-A71F-82529052DB38}" destId="{257BE715-AC11-B140-8096-F214434B19ED}" srcOrd="0" destOrd="1" presId="urn:microsoft.com/office/officeart/2005/8/layout/vList2"/>
+    <dgm:cxn modelId="{5240FDAD-7040-0B44-9467-D9F21F5069CF}" type="presOf" srcId="{0B4584F7-7CC9-4BE3-9319-9E9248331446}" destId="{257BE715-AC11-B140-8096-F214434B19ED}" srcOrd="0" destOrd="7" presId="urn:microsoft.com/office/officeart/2005/8/layout/vList2"/>
+    <dgm:cxn modelId="{E9AF6EBB-FF4D-674A-B1FE-FA9DD6BDF5D9}" type="presOf" srcId="{E80F9A67-A71B-4AEC-AC86-9343B88227D6}" destId="{0AFC8230-D5BC-7445-B44C-3DBCEA0C77F5}" srcOrd="0" destOrd="0" presId="urn:microsoft.com/office/officeart/2005/8/layout/vList2"/>
     <dgm:cxn modelId="{1F6567C0-0CBE-4AA5-826A-7F436F9807EF}" srcId="{F39883B8-AB0E-471B-BA71-D1D57BB9AF84}" destId="{91688653-98A7-4856-8255-3F417C41B335}" srcOrd="3" destOrd="0" parTransId="{DCE1F442-7EE5-45BD-83DB-9B7E7D7C2BAF}" sibTransId="{9C01EDED-46D3-48A1-8E33-18B6F32F32EC}"/>
     <dgm:cxn modelId="{9E08BBC3-A5C0-4BAF-AFB5-03B0EEB5F8ED}" srcId="{F39883B8-AB0E-471B-BA71-D1D57BB9AF84}" destId="{EAF5BBC7-53C5-47E1-85BB-644F019E7C4D}" srcOrd="4" destOrd="0" parTransId="{24699A8F-0484-4972-82DC-A26E216219D5}" sibTransId="{BFB4423E-EB8F-4B1A-9A4F-347DEB9C11DC}"/>
-    <dgm:cxn modelId="{1BD191D9-BE58-E645-A146-126403765638}" type="presOf" srcId="{91688653-98A7-4856-8255-3F417C41B335}" destId="{D5E1E5A2-A5D1-3A4F-9F6A-A57E664C4616}" srcOrd="0" destOrd="3" presId="urn:microsoft.com/office/officeart/2005/8/layout/vList2"/>
     <dgm:cxn modelId="{378E78F5-CFAD-46D1-919B-7DBB413B4DF5}" srcId="{F39883B8-AB0E-471B-BA71-D1D57BB9AF84}" destId="{53BE604C-6232-40BE-95AC-5F705E596953}" srcOrd="5" destOrd="0" parTransId="{33DF009C-967E-4241-B15C-CBB96324D6DF}" sibTransId="{7137AC15-25F9-46F0-8353-861B233A7A83}"/>
-    <dgm:cxn modelId="{09E0BCFA-35DA-9A40-ACD7-9EA062CEE815}" type="presOf" srcId="{F39883B8-AB0E-471B-BA71-D1D57BB9AF84}" destId="{D0C31C5A-6815-6E46-98E0-455BC413E886}" srcOrd="0" destOrd="0" presId="urn:microsoft.com/office/officeart/2005/8/layout/vList2"/>
+    <dgm:cxn modelId="{DC5CAAF9-D550-614C-BA14-7E00AF928FB3}" type="presOf" srcId="{EAF5BBC7-53C5-47E1-85BB-644F019E7C4D}" destId="{257BE715-AC11-B140-8096-F214434B19ED}" srcOrd="0" destOrd="4" presId="urn:microsoft.com/office/officeart/2005/8/layout/vList2"/>
     <dgm:cxn modelId="{D6142AFB-2EF0-4785-8BF9-18D25894E6AD}" srcId="{F39883B8-AB0E-471B-BA71-D1D57BB9AF84}" destId="{AAA89F62-0C30-4820-8552-78B6AEED5986}" srcOrd="6" destOrd="0" parTransId="{A8FD4395-EDCF-4471-B246-79AF388C5460}" sibTransId="{CEB06ED1-D3A0-4310-8A8E-4DAFB32E067D}"/>
     <dgm:cxn modelId="{371B43FB-91BD-4BC6-B577-A7B9E238918B}" srcId="{F39883B8-AB0E-471B-BA71-D1D57BB9AF84}" destId="{A6E71DF1-AF08-4A0C-8051-198A33D81CB5}" srcOrd="2" destOrd="0" parTransId="{41BEA3EC-51C3-49E7-BA76-18015BBCB7CD}" sibTransId="{3B59C55D-A8C4-4F31-97D1-05B7F4BD7A7C}"/>
-    <dgm:cxn modelId="{1A5A5942-9B88-864C-AC11-2D2D67C08857}" type="presParOf" srcId="{5FF696D7-D501-4F4E-9D1F-B9601247DF76}" destId="{D0C31C5A-6815-6E46-98E0-455BC413E886}" srcOrd="0" destOrd="0" presId="urn:microsoft.com/office/officeart/2005/8/layout/vList2"/>
-    <dgm:cxn modelId="{0E50D7B4-050D-9E49-8C8E-28A6FC1EC57E}" type="presParOf" srcId="{5FF696D7-D501-4F4E-9D1F-B9601247DF76}" destId="{D5E1E5A2-A5D1-3A4F-9F6A-A57E664C4616}" srcOrd="1" destOrd="0" presId="urn:microsoft.com/office/officeart/2005/8/layout/vList2"/>
+    <dgm:cxn modelId="{4ADB7E13-24C7-5541-929E-1D8F0B5C7F9D}" type="presParOf" srcId="{0AFC8230-D5BC-7445-B44C-3DBCEA0C77F5}" destId="{7CB8DCDF-3743-B046-8D3A-A8C5E8A11163}" srcOrd="0" destOrd="0" presId="urn:microsoft.com/office/officeart/2005/8/layout/vList2"/>
+    <dgm:cxn modelId="{0B6ECFED-7462-9D4D-A0FF-3060B05BB5E4}" type="presParOf" srcId="{0AFC8230-D5BC-7445-B44C-3DBCEA0C77F5}" destId="{257BE715-AC11-B140-8096-F214434B19ED}" srcOrd="1" destOrd="0" presId="urn:microsoft.com/office/officeart/2005/8/layout/vList2"/>
   </dgm:cxnLst>
   <dgm:bg/>
   <dgm:whole/>
@@ -3630,15 +3767,15 @@
       <dsp:cNvGrpSpPr/>
     </dsp:nvGrpSpPr>
     <dsp:grpSpPr/>
-    <dsp:sp modelId="{D0C31C5A-6815-6E46-98E0-455BC413E886}">
+    <dsp:sp modelId="{7CB8DCDF-3743-B046-8D3A-A8C5E8A11163}">
       <dsp:nvSpPr>
         <dsp:cNvPr id="0" name=""/>
         <dsp:cNvSpPr/>
       </dsp:nvSpPr>
       <dsp:spPr>
         <a:xfrm>
-          <a:off x="0" y="252143"/>
-          <a:ext cx="5913437" cy="655200"/>
+          <a:off x="0" y="10626"/>
+          <a:ext cx="4172212" cy="514800"/>
         </a:xfrm>
         <a:prstGeom prst="roundRect">
           <a:avLst/>
@@ -3684,7 +3821,24 @@
         <a:ln>
           <a:noFill/>
         </a:ln>
-        <a:effectLst/>
+        <a:effectLst>
+          <a:outerShdw blurRad="50800" dist="50800" dir="5400000" sx="96000" sy="96000" rotWithShape="0">
+            <a:srgbClr val="000000">
+              <a:alpha val="48000"/>
+            </a:srgbClr>
+          </a:outerShdw>
+        </a:effectLst>
+        <a:scene3d>
+          <a:camera prst="orthographicFront">
+            <a:rot lat="0" lon="0" rev="0"/>
+          </a:camera>
+          <a:lightRig rig="balanced" dir="t">
+            <a:rot lat="0" lon="0" rev="1080000"/>
+          </a:lightRig>
+        </a:scene3d>
+        <a:sp3d>
+          <a:bevelT w="38100" h="12700" prst="softRound"/>
+        </a:sp3d>
       </dsp:spPr>
       <dsp:style>
         <a:lnRef idx="0">
@@ -3693,7 +3847,7 @@
         <a:fillRef idx="3">
           <a:scrgbClr r="0" g="0" b="0"/>
         </a:fillRef>
-        <a:effectRef idx="2">
+        <a:effectRef idx="3">
           <a:scrgbClr r="0" g="0" b="0"/>
         </a:effectRef>
         <a:fontRef idx="minor">
@@ -3701,12 +3855,12 @@
         </a:fontRef>
       </dsp:style>
       <dsp:txBody>
-        <a:bodyPr spcFirstLastPara="0" vert="horz" wrap="square" lIns="106680" tIns="106680" rIns="106680" bIns="106680" numCol="1" spcCol="1270" anchor="ctr" anchorCtr="0">
+        <a:bodyPr spcFirstLastPara="0" vert="horz" wrap="square" lIns="83820" tIns="83820" rIns="83820" bIns="83820" numCol="1" spcCol="1270" anchor="ctr" anchorCtr="0">
           <a:noAutofit/>
         </a:bodyPr>
         <a:lstStyle/>
         <a:p>
-          <a:pPr marL="0" lvl="0" indent="0" algn="l" defTabSz="1244600">
+          <a:pPr marL="0" lvl="0" indent="0" algn="l" defTabSz="977900">
             <a:lnSpc>
               <a:spcPct val="90000"/>
             </a:lnSpc>
@@ -3719,25 +3873,25 @@
             <a:buNone/>
           </a:pPr>
           <a:r>
-            <a:rPr lang="en-US" sz="2800" kern="1200"/>
+            <a:rPr lang="en-US" sz="2200" kern="1200"/>
             <a:t>Suggestion to the Employer</a:t>
           </a:r>
         </a:p>
       </dsp:txBody>
       <dsp:txXfrm>
-        <a:off x="31984" y="284127"/>
-        <a:ext cx="5849469" cy="591232"/>
+        <a:off x="25130" y="35756"/>
+        <a:ext cx="4121952" cy="464540"/>
       </dsp:txXfrm>
     </dsp:sp>
-    <dsp:sp modelId="{D5E1E5A2-A5D1-3A4F-9F6A-A57E664C4616}">
+    <dsp:sp modelId="{257BE715-AC11-B140-8096-F214434B19ED}">
       <dsp:nvSpPr>
         <dsp:cNvPr id="0" name=""/>
         <dsp:cNvSpPr/>
       </dsp:nvSpPr>
       <dsp:spPr>
         <a:xfrm>
-          <a:off x="0" y="907343"/>
-          <a:ext cx="5913437" cy="3477600"/>
+          <a:off x="0" y="525426"/>
+          <a:ext cx="4172212" cy="2914560"/>
         </a:xfrm>
         <a:prstGeom prst="rect">
           <a:avLst/>
@@ -3761,12 +3915,12 @@
         <a:fontRef idx="minor"/>
       </dsp:style>
       <dsp:txBody>
-        <a:bodyPr spcFirstLastPara="0" vert="horz" wrap="square" lIns="187752" tIns="35560" rIns="199136" bIns="35560" numCol="1" spcCol="1270" anchor="t" anchorCtr="0">
+        <a:bodyPr spcFirstLastPara="0" vert="horz" wrap="square" lIns="132468" tIns="27940" rIns="156464" bIns="27940" numCol="1" spcCol="1270" anchor="t" anchorCtr="0">
           <a:noAutofit/>
         </a:bodyPr>
         <a:lstStyle/>
         <a:p>
-          <a:pPr marL="228600" lvl="1" indent="-228600" algn="l" defTabSz="977900">
+          <a:pPr marL="171450" lvl="1" indent="-171450" algn="l" defTabSz="755650">
             <a:lnSpc>
               <a:spcPct val="90000"/>
             </a:lnSpc>
@@ -3779,12 +3933,12 @@
             <a:buChar char="•"/>
           </a:pPr>
           <a:r>
-            <a:rPr lang="en-US" sz="2200" kern="1200"/>
+            <a:rPr lang="en-US" sz="1700" kern="1200"/>
             <a:t>To retain top talent, </a:t>
           </a:r>
         </a:p>
         <a:p>
-          <a:pPr marL="228600" lvl="1" indent="-228600" algn="l" defTabSz="977900">
+          <a:pPr marL="171450" lvl="1" indent="-171450" algn="l" defTabSz="755650">
             <a:lnSpc>
               <a:spcPct val="90000"/>
             </a:lnSpc>
@@ -3797,12 +3951,12 @@
             <a:buChar char="•"/>
           </a:pPr>
           <a:r>
-            <a:rPr lang="en-US" sz="2200" kern="1200"/>
+            <a:rPr lang="en-US" sz="1700" kern="1200"/>
             <a:t>Reduce the frequency of Business Travel</a:t>
           </a:r>
         </a:p>
         <a:p>
-          <a:pPr marL="228600" lvl="1" indent="-228600" algn="l" defTabSz="977900">
+          <a:pPr marL="171450" lvl="1" indent="-171450" algn="l" defTabSz="755650">
             <a:lnSpc>
               <a:spcPct val="90000"/>
             </a:lnSpc>
@@ -3815,12 +3969,12 @@
             <a:buChar char="•"/>
           </a:pPr>
           <a:r>
-            <a:rPr lang="en-US" sz="2200" kern="1200"/>
+            <a:rPr lang="en-US" sz="1700" kern="1200"/>
             <a:t>Allow work from Home</a:t>
           </a:r>
         </a:p>
         <a:p>
-          <a:pPr marL="228600" lvl="1" indent="-228600" algn="l" defTabSz="977900">
+          <a:pPr marL="171450" lvl="1" indent="-171450" algn="l" defTabSz="755650">
             <a:lnSpc>
               <a:spcPct val="90000"/>
             </a:lnSpc>
@@ -3833,12 +3987,12 @@
             <a:buChar char="•"/>
           </a:pPr>
           <a:r>
-            <a:rPr lang="en-US" sz="2200" kern="1200"/>
+            <a:rPr lang="en-US" sz="1700" kern="1200"/>
             <a:t>Provide good office environment</a:t>
           </a:r>
         </a:p>
         <a:p>
-          <a:pPr marL="228600" lvl="1" indent="-228600" algn="l" defTabSz="977900">
+          <a:pPr marL="171450" lvl="1" indent="-171450" algn="l" defTabSz="755650">
             <a:lnSpc>
               <a:spcPct val="90000"/>
             </a:lnSpc>
@@ -3851,12 +4005,12 @@
             <a:buChar char="•"/>
           </a:pPr>
           <a:r>
-            <a:rPr lang="en-US" sz="2200" kern="1200"/>
+            <a:rPr lang="en-US" sz="1700" kern="1200"/>
             <a:t>Involve the employees in important decisions</a:t>
           </a:r>
         </a:p>
         <a:p>
-          <a:pPr marL="228600" lvl="1" indent="-228600" algn="l" defTabSz="977900">
+          <a:pPr marL="171450" lvl="1" indent="-171450" algn="l" defTabSz="755650">
             <a:lnSpc>
               <a:spcPct val="90000"/>
             </a:lnSpc>
@@ -3869,12 +4023,12 @@
             <a:buChar char="•"/>
           </a:pPr>
           <a:r>
-            <a:rPr lang="en-US" sz="2200" kern="1200"/>
+            <a:rPr lang="en-US" sz="1700" kern="1200"/>
             <a:t>Avoid frequent over times</a:t>
           </a:r>
         </a:p>
         <a:p>
-          <a:pPr marL="228600" lvl="1" indent="-228600" algn="l" defTabSz="977900">
+          <a:pPr marL="171450" lvl="1" indent="-171450" algn="l" defTabSz="755650">
             <a:lnSpc>
               <a:spcPct val="90000"/>
             </a:lnSpc>
@@ -3887,12 +4041,12 @@
             <a:buChar char="•"/>
           </a:pPr>
           <a:r>
-            <a:rPr lang="en-US" sz="2200" kern="1200"/>
+            <a:rPr lang="en-US" sz="1700" kern="1200"/>
             <a:t>Proactively identify the eligible candidates for promotion.</a:t>
           </a:r>
         </a:p>
         <a:p>
-          <a:pPr marL="228600" lvl="1" indent="-228600" algn="l" defTabSz="977900">
+          <a:pPr marL="171450" lvl="1" indent="-171450" algn="l" defTabSz="755650">
             <a:lnSpc>
               <a:spcPct val="90000"/>
             </a:lnSpc>
@@ -3905,14 +4059,14 @@
             <a:buChar char="•"/>
           </a:pPr>
           <a:r>
-            <a:rPr lang="en-US" sz="2200" kern="1200"/>
+            <a:rPr lang="en-US" sz="1700" kern="1200"/>
             <a:t>Avoid hiring candidates who change jobs frequently</a:t>
           </a:r>
         </a:p>
       </dsp:txBody>
       <dsp:txXfrm>
-        <a:off x="0" y="907343"/>
-        <a:ext cx="5913437" cy="3477600"/>
+        <a:off x="0" y="525426"/>
+        <a:ext cx="4172212" cy="2914560"/>
       </dsp:txXfrm>
     </dsp:sp>
   </dsp:spTree>
@@ -5587,11 +5741,11 @@
 </file>
 
 <file path=ppt/diagrams/quickStyle2.xml><?xml version="1.0" encoding="utf-8"?>
-<dgm:styleDef xmlns:dgm="http://schemas.openxmlformats.org/drawingml/2006/diagram" xmlns:a="http://schemas.openxmlformats.org/drawingml/2006/main" uniqueId="urn:microsoft.com/office/officeart/2005/8/quickstyle/simple4">
+<dgm:styleDef xmlns:dgm="http://schemas.openxmlformats.org/drawingml/2006/diagram" xmlns:a="http://schemas.openxmlformats.org/drawingml/2006/main" uniqueId="urn:microsoft.com/office/officeart/2005/8/quickstyle/simple5">
   <dgm:title val=""/>
   <dgm:desc val=""/>
   <dgm:catLst>
-    <dgm:cat type="simple" pri="10400"/>
+    <dgm:cat type="simple" pri="10500"/>
   </dgm:catLst>
   <dgm:scene3d>
     <a:camera prst="orthographicFront"/>
@@ -5611,7 +5765,7 @@
       <a:fillRef idx="3">
         <a:scrgbClr r="0" g="0" b="0"/>
       </a:fillRef>
-      <a:effectRef idx="2">
+      <a:effectRef idx="3">
         <a:scrgbClr r="0" g="0" b="0"/>
       </a:effectRef>
       <a:fontRef idx="minor">
@@ -5627,13 +5781,13 @@
     <dgm:sp3d/>
     <dgm:txPr/>
     <dgm:style>
-      <a:lnRef idx="1">
+      <a:lnRef idx="0">
         <a:scrgbClr r="0" g="0" b="0"/>
       </a:lnRef>
       <a:fillRef idx="3">
         <a:scrgbClr r="0" g="0" b="0"/>
       </a:fillRef>
-      <a:effectRef idx="2">
+      <a:effectRef idx="3">
         <a:scrgbClr r="0" g="0" b="0"/>
       </a:effectRef>
       <a:fontRef idx="minor">
@@ -5655,7 +5809,7 @@
       <a:fillRef idx="3">
         <a:scrgbClr r="0" g="0" b="0"/>
       </a:fillRef>
-      <a:effectRef idx="0">
+      <a:effectRef idx="3">
         <a:scrgbClr r="0" g="0" b="0"/>
       </a:effectRef>
       <a:fontRef idx="minor">
@@ -5677,7 +5831,7 @@
       <a:fillRef idx="3">
         <a:scrgbClr r="0" g="0" b="0"/>
       </a:fillRef>
-      <a:effectRef idx="2">
+      <a:effectRef idx="3">
         <a:scrgbClr r="0" g="0" b="0"/>
       </a:effectRef>
       <a:fontRef idx="minor">
@@ -5699,7 +5853,7 @@
       <a:fillRef idx="3">
         <a:scrgbClr r="0" g="0" b="0"/>
       </a:fillRef>
-      <a:effectRef idx="2">
+      <a:effectRef idx="3">
         <a:scrgbClr r="0" g="0" b="0"/>
       </a:effectRef>
       <a:fontRef idx="minor">
@@ -5721,7 +5875,7 @@
       <a:fillRef idx="3">
         <a:scrgbClr r="0" g="0" b="0"/>
       </a:fillRef>
-      <a:effectRef idx="2">
+      <a:effectRef idx="3">
         <a:scrgbClr r="0" g="0" b="0"/>
       </a:effectRef>
       <a:fontRef idx="minor">
@@ -5743,7 +5897,7 @@
       <a:fillRef idx="3">
         <a:scrgbClr r="0" g="0" b="0"/>
       </a:fillRef>
-      <a:effectRef idx="2">
+      <a:effectRef idx="3">
         <a:scrgbClr r="0" g="0" b="0"/>
       </a:effectRef>
       <a:fontRef idx="minor">
@@ -5765,7 +5919,7 @@
       <a:fillRef idx="3">
         <a:scrgbClr r="0" g="0" b="0"/>
       </a:fillRef>
-      <a:effectRef idx="2">
+      <a:effectRef idx="3">
         <a:scrgbClr r="0" g="0" b="0"/>
       </a:effectRef>
       <a:fontRef idx="minor">
@@ -5787,7 +5941,7 @@
       <a:fillRef idx="1">
         <a:scrgbClr r="0" g="0" b="0"/>
       </a:fillRef>
-      <a:effectRef idx="2">
+      <a:effectRef idx="3">
         <a:scrgbClr r="0" g="0" b="0"/>
       </a:effectRef>
       <a:fontRef idx="minor"/>
@@ -5807,7 +5961,7 @@
       <a:fillRef idx="1">
         <a:scrgbClr r="0" g="0" b="0"/>
       </a:fillRef>
-      <a:effectRef idx="2">
+      <a:effectRef idx="3">
         <a:scrgbClr r="0" g="0" b="0"/>
       </a:effectRef>
       <a:fontRef idx="minor"/>
@@ -5827,7 +5981,7 @@
       <a:fillRef idx="1">
         <a:scrgbClr r="0" g="0" b="0"/>
       </a:fillRef>
-      <a:effectRef idx="2">
+      <a:effectRef idx="3">
         <a:scrgbClr r="0" g="0" b="0"/>
       </a:effectRef>
       <a:fontRef idx="minor"/>
@@ -5847,7 +6001,7 @@
       <a:fillRef idx="3">
         <a:scrgbClr r="0" g="0" b="0"/>
       </a:fillRef>
-      <a:effectRef idx="2">
+      <a:effectRef idx="3">
         <a:scrgbClr r="0" g="0" b="0"/>
       </a:effectRef>
       <a:fontRef idx="minor">
@@ -5869,7 +6023,7 @@
       <a:fillRef idx="3">
         <a:scrgbClr r="0" g="0" b="0"/>
       </a:fillRef>
-      <a:effectRef idx="2">
+      <a:effectRef idx="3">
         <a:scrgbClr r="0" g="0" b="0"/>
       </a:effectRef>
       <a:fontRef idx="minor">
@@ -5891,7 +6045,7 @@
       <a:fillRef idx="3">
         <a:scrgbClr r="0" g="0" b="0"/>
       </a:fillRef>
-      <a:effectRef idx="2">
+      <a:effectRef idx="3">
         <a:scrgbClr r="0" g="0" b="0"/>
       </a:effectRef>
       <a:fontRef idx="minor">
@@ -5927,10 +6081,10 @@
     <dgm:sp3d/>
     <dgm:txPr/>
     <dgm:style>
-      <a:lnRef idx="2">
+      <a:lnRef idx="1">
         <a:scrgbClr r="0" g="0" b="0"/>
       </a:lnRef>
-      <a:fillRef idx="1">
+      <a:fillRef idx="0">
         <a:scrgbClr r="0" g="0" b="0"/>
       </a:fillRef>
       <a:effectRef idx="1">
@@ -5953,7 +6107,7 @@
       <a:fillRef idx="3">
         <a:scrgbClr r="0" g="0" b="0"/>
       </a:fillRef>
-      <a:effectRef idx="2">
+      <a:effectRef idx="3">
         <a:scrgbClr r="0" g="0" b="0"/>
       </a:effectRef>
       <a:fontRef idx="minor">
@@ -5975,7 +6129,7 @@
       <a:fillRef idx="3">
         <a:scrgbClr r="0" g="0" b="0"/>
       </a:fillRef>
-      <a:effectRef idx="2">
+      <a:effectRef idx="3">
         <a:scrgbClr r="0" g="0" b="0"/>
       </a:effectRef>
       <a:fontRef idx="minor">
@@ -5997,7 +6151,7 @@
       <a:fillRef idx="3">
         <a:scrgbClr r="0" g="0" b="0"/>
       </a:fillRef>
-      <a:effectRef idx="2">
+      <a:effectRef idx="3">
         <a:scrgbClr r="0" g="0" b="0"/>
       </a:effectRef>
       <a:fontRef idx="minor">
@@ -6019,7 +6173,7 @@
       <a:fillRef idx="3">
         <a:scrgbClr r="0" g="0" b="0"/>
       </a:fillRef>
-      <a:effectRef idx="2">
+      <a:effectRef idx="3">
         <a:scrgbClr r="0" g="0" b="0"/>
       </a:effectRef>
       <a:fontRef idx="minor">
@@ -6041,7 +6195,7 @@
       <a:fillRef idx="3">
         <a:scrgbClr r="0" g="0" b="0"/>
       </a:fillRef>
-      <a:effectRef idx="2">
+      <a:effectRef idx="3">
         <a:scrgbClr r="0" g="0" b="0"/>
       </a:effectRef>
       <a:fontRef idx="minor">
@@ -6063,7 +6217,7 @@
       <a:fillRef idx="3">
         <a:scrgbClr r="0" g="0" b="0"/>
       </a:fillRef>
-      <a:effectRef idx="2">
+      <a:effectRef idx="3">
         <a:scrgbClr r="0" g="0" b="0"/>
       </a:effectRef>
       <a:fontRef idx="minor">
@@ -6085,7 +6239,7 @@
       <a:fillRef idx="3">
         <a:scrgbClr r="0" g="0" b="0"/>
       </a:fillRef>
-      <a:effectRef idx="2">
+      <a:effectRef idx="3">
         <a:scrgbClr r="0" g="0" b="0"/>
       </a:effectRef>
       <a:fontRef idx="minor">
@@ -6101,13 +6255,13 @@
     <dgm:sp3d/>
     <dgm:txPr/>
     <dgm:style>
-      <a:lnRef idx="1">
+      <a:lnRef idx="0">
         <a:scrgbClr r="0" g="0" b="0"/>
       </a:lnRef>
       <a:fillRef idx="3">
         <a:scrgbClr r="0" g="0" b="0"/>
       </a:fillRef>
-      <a:effectRef idx="2">
+      <a:effectRef idx="3">
         <a:scrgbClr r="0" g="0" b="0"/>
       </a:effectRef>
       <a:fontRef idx="minor">
@@ -6123,13 +6277,13 @@
     <dgm:sp3d/>
     <dgm:txPr/>
     <dgm:style>
-      <a:lnRef idx="1">
+      <a:lnRef idx="0">
         <a:scrgbClr r="0" g="0" b="0"/>
       </a:lnRef>
       <a:fillRef idx="3">
         <a:scrgbClr r="0" g="0" b="0"/>
       </a:fillRef>
-      <a:effectRef idx="2">
+      <a:effectRef idx="3">
         <a:scrgbClr r="0" g="0" b="0"/>
       </a:effectRef>
       <a:fontRef idx="minor">
@@ -6145,7 +6299,7 @@
     <dgm:sp3d/>
     <dgm:txPr/>
     <dgm:style>
-      <a:lnRef idx="1">
+      <a:lnRef idx="2">
         <a:scrgbClr r="0" g="0" b="0"/>
       </a:lnRef>
       <a:fillRef idx="0">
@@ -6165,7 +6319,7 @@
     <dgm:sp3d/>
     <dgm:txPr/>
     <dgm:style>
-      <a:lnRef idx="1">
+      <a:lnRef idx="2">
         <a:scrgbClr r="0" g="0" b="0"/>
       </a:lnRef>
       <a:fillRef idx="0">
@@ -6185,7 +6339,7 @@
     <dgm:sp3d/>
     <dgm:txPr/>
     <dgm:style>
-      <a:lnRef idx="1">
+      <a:lnRef idx="2">
         <a:scrgbClr r="0" g="0" b="0"/>
       </a:lnRef>
       <a:fillRef idx="0">
@@ -6205,7 +6359,7 @@
     <dgm:sp3d/>
     <dgm:txPr/>
     <dgm:style>
-      <a:lnRef idx="1">
+      <a:lnRef idx="2">
         <a:scrgbClr r="0" g="0" b="0"/>
       </a:lnRef>
       <a:fillRef idx="0">
@@ -6231,7 +6385,7 @@
       <a:fillRef idx="1">
         <a:scrgbClr r="0" g="0" b="0"/>
       </a:fillRef>
-      <a:effectRef idx="0">
+      <a:effectRef idx="2">
         <a:scrgbClr r="0" g="0" b="0"/>
       </a:effectRef>
       <a:fontRef idx="minor"/>
@@ -6251,7 +6405,7 @@
       <a:fillRef idx="1">
         <a:scrgbClr r="0" g="0" b="0"/>
       </a:fillRef>
-      <a:effectRef idx="0">
+      <a:effectRef idx="2">
         <a:scrgbClr r="0" g="0" b="0"/>
       </a:effectRef>
       <a:fontRef idx="minor"/>
@@ -6271,7 +6425,7 @@
       <a:fillRef idx="1">
         <a:scrgbClr r="0" g="0" b="0"/>
       </a:fillRef>
-      <a:effectRef idx="0">
+      <a:effectRef idx="2">
         <a:scrgbClr r="0" g="0" b="0"/>
       </a:effectRef>
       <a:fontRef idx="minor"/>
@@ -6311,7 +6465,7 @@
       <a:fillRef idx="1">
         <a:scrgbClr r="0" g="0" b="0"/>
       </a:fillRef>
-      <a:effectRef idx="0">
+      <a:effectRef idx="2">
         <a:scrgbClr r="0" g="0" b="0"/>
       </a:effectRef>
       <a:fontRef idx="minor"/>
@@ -6331,7 +6485,7 @@
       <a:fillRef idx="1">
         <a:scrgbClr r="0" g="0" b="0"/>
       </a:fillRef>
-      <a:effectRef idx="0">
+      <a:effectRef idx="2">
         <a:scrgbClr r="0" g="0" b="0"/>
       </a:effectRef>
       <a:fontRef idx="minor"/>
@@ -6351,7 +6505,7 @@
       <a:fillRef idx="1">
         <a:scrgbClr r="0" g="0" b="0"/>
       </a:fillRef>
-      <a:effectRef idx="0">
+      <a:effectRef idx="3">
         <a:scrgbClr r="0" g="0" b="0"/>
       </a:effectRef>
       <a:fontRef idx="minor"/>
@@ -6371,7 +6525,7 @@
       <a:fillRef idx="1">
         <a:scrgbClr r="0" g="0" b="0"/>
       </a:fillRef>
-      <a:effectRef idx="0">
+      <a:effectRef idx="3">
         <a:scrgbClr r="0" g="0" b="0"/>
       </a:effectRef>
       <a:fontRef idx="minor"/>
@@ -6391,7 +6545,7 @@
       <a:fillRef idx="1">
         <a:scrgbClr r="0" g="0" b="0"/>
       </a:fillRef>
-      <a:effectRef idx="0">
+      <a:effectRef idx="2">
         <a:scrgbClr r="0" g="0" b="0"/>
       </a:effectRef>
       <a:fontRef idx="minor"/>
@@ -6411,7 +6565,7 @@
       <a:fillRef idx="1">
         <a:scrgbClr r="0" g="0" b="0"/>
       </a:fillRef>
-      <a:effectRef idx="0">
+      <a:effectRef idx="2">
         <a:scrgbClr r="0" g="0" b="0"/>
       </a:effectRef>
       <a:fontRef idx="minor"/>
@@ -6431,7 +6585,7 @@
       <a:fillRef idx="1">
         <a:scrgbClr r="0" g="0" b="0"/>
       </a:fillRef>
-      <a:effectRef idx="0">
+      <a:effectRef idx="2">
         <a:scrgbClr r="0" g="0" b="0"/>
       </a:effectRef>
       <a:fontRef idx="minor"/>
@@ -6451,7 +6605,7 @@
       <a:fillRef idx="1">
         <a:scrgbClr r="0" g="0" b="0"/>
       </a:fillRef>
-      <a:effectRef idx="0">
+      <a:effectRef idx="2">
         <a:scrgbClr r="0" g="0" b="0"/>
       </a:effectRef>
       <a:fontRef idx="minor"/>
@@ -6471,7 +6625,7 @@
       <a:fillRef idx="1">
         <a:scrgbClr r="0" g="0" b="0"/>
       </a:fillRef>
-      <a:effectRef idx="0">
+      <a:effectRef idx="2">
         <a:scrgbClr r="0" g="0" b="0"/>
       </a:effectRef>
       <a:fontRef idx="minor"/>
@@ -6491,7 +6645,7 @@
       <a:fillRef idx="1">
         <a:scrgbClr r="0" g="0" b="0"/>
       </a:fillRef>
-      <a:effectRef idx="0">
+      <a:effectRef idx="2">
         <a:scrgbClr r="0" g="0" b="0"/>
       </a:effectRef>
       <a:fontRef idx="minor"/>
@@ -6511,7 +6665,7 @@
       <a:fillRef idx="1">
         <a:scrgbClr r="0" g="0" b="0"/>
       </a:fillRef>
-      <a:effectRef idx="0">
+      <a:effectRef idx="2">
         <a:scrgbClr r="0" g="0" b="0"/>
       </a:effectRef>
       <a:fontRef idx="minor"/>
@@ -6551,7 +6705,7 @@
       <a:fillRef idx="1">
         <a:scrgbClr r="0" g="0" b="0"/>
       </a:fillRef>
-      <a:effectRef idx="2">
+      <a:effectRef idx="3">
         <a:scrgbClr r="0" g="0" b="0"/>
       </a:effectRef>
       <a:fontRef idx="minor"/>
@@ -6591,7 +6745,7 @@
       <a:fillRef idx="3">
         <a:scrgbClr r="0" g="0" b="0"/>
       </a:fillRef>
-      <a:effectRef idx="2">
+      <a:effectRef idx="3">
         <a:scrgbClr r="0" g="0" b="0"/>
       </a:effectRef>
       <a:fontRef idx="minor"/>
@@ -11229,10 +11383,10 @@
       </p:grpSpPr>
       <p:sp>
         <p:nvSpPr>
-          <p:cNvPr id="9" name="Rectangle 8">
+          <p:cNvPr id="32" name="Rectangle 31">
             <a:extLst>
               <a:ext uri="{FF2B5EF4-FFF2-40B4-BE49-F238E27FC236}">
-                <a16:creationId xmlns:a16="http://schemas.microsoft.com/office/drawing/2014/main" id="{17424F32-2789-4FF9-8E8A-1252284BF600}"/>
+                <a16:creationId xmlns:a16="http://schemas.microsoft.com/office/drawing/2014/main" id="{0CABCAE3-64FC-4149-819F-2C1812824154}"/>
               </a:ext>
               <a:ext uri="{C183D7F6-B498-43B3-948B-1728B52AA6E4}">
                 <adec:decorative xmlns:adec="http://schemas.microsoft.com/office/drawing/2017/decorative" val="1"/>
@@ -11295,10 +11449,10 @@
       </p:sp>
       <p:pic>
         <p:nvPicPr>
-          <p:cNvPr id="11" name="Picture 10">
+          <p:cNvPr id="34" name="Picture 33">
             <a:extLst>
               <a:ext uri="{FF2B5EF4-FFF2-40B4-BE49-F238E27FC236}">
-                <a16:creationId xmlns:a16="http://schemas.microsoft.com/office/drawing/2014/main" id="{D708C46E-BB60-4B97-8327-D3A475C008E5}"/>
+                <a16:creationId xmlns:a16="http://schemas.microsoft.com/office/drawing/2014/main" id="{012FDCFE-9AD2-4D8A-8CBF-B3AA37EBF6DD}"/>
               </a:ext>
               <a:ext uri="{C183D7F6-B498-43B3-948B-1728B52AA6E4}">
                 <adec:decorative xmlns:adec="http://schemas.microsoft.com/office/drawing/2017/decorative" val="1"/>
@@ -11339,10 +11493,10 @@
       </p:pic>
       <p:cxnSp>
         <p:nvCxnSpPr>
-          <p:cNvPr id="13" name="Straight Connector 12">
+          <p:cNvPr id="36" name="Straight Connector 35">
             <a:extLst>
               <a:ext uri="{FF2B5EF4-FFF2-40B4-BE49-F238E27FC236}">
-                <a16:creationId xmlns:a16="http://schemas.microsoft.com/office/drawing/2014/main" id="{8042755C-F24C-4D08-8E4C-E646382C3634}"/>
+                <a16:creationId xmlns:a16="http://schemas.microsoft.com/office/drawing/2014/main" id="{FBD463FC-4CA8-4FF4-85A3-AF9F4B98D210}"/>
               </a:ext>
               <a:ext uri="{C183D7F6-B498-43B3-948B-1728B52AA6E4}">
                 <adec:decorative xmlns:adec="http://schemas.microsoft.com/office/drawing/2017/decorative" val="1"/>
@@ -11393,10 +11547,10 @@
       </p:cxnSp>
       <p:cxnSp>
         <p:nvCxnSpPr>
-          <p:cNvPr id="15" name="Straight Connector 14">
+          <p:cNvPr id="38" name="Straight Connector 37">
             <a:extLst>
               <a:ext uri="{FF2B5EF4-FFF2-40B4-BE49-F238E27FC236}">
-                <a16:creationId xmlns:a16="http://schemas.microsoft.com/office/drawing/2014/main" id="{63E94A00-1A92-47F4-9E2D-E51DFF9016D4}"/>
+                <a16:creationId xmlns:a16="http://schemas.microsoft.com/office/drawing/2014/main" id="{A56012FD-74A8-4C91-B318-435CF2B71927}"/>
               </a:ext>
               <a:ext uri="{C183D7F6-B498-43B3-948B-1728B52AA6E4}">
                 <adec:decorative xmlns:adec="http://schemas.microsoft.com/office/drawing/2017/decorative" val="1"/>
@@ -11441,10 +11595,10 @@
       </p:cxnSp>
       <p:sp useBgFill="1">
         <p:nvSpPr>
-          <p:cNvPr id="17" name="Rectangle 16">
+          <p:cNvPr id="54" name="Rectangle 39">
             <a:extLst>
               <a:ext uri="{FF2B5EF4-FFF2-40B4-BE49-F238E27FC236}">
-                <a16:creationId xmlns:a16="http://schemas.microsoft.com/office/drawing/2014/main" id="{32D32A60-013B-47A8-8833-D2424080917B}"/>
+                <a16:creationId xmlns:a16="http://schemas.microsoft.com/office/drawing/2014/main" id="{35C3D674-3D59-4E93-80CA-0C0A9095E816}"/>
               </a:ext>
               <a:ext uri="{C183D7F6-B498-43B3-948B-1728B52AA6E4}">
                 <adec:decorative xmlns:adec="http://schemas.microsoft.com/office/drawing/2017/decorative" val="1"/>
@@ -11499,12 +11653,60 @@
           </a:p>
         </p:txBody>
       </p:sp>
+      <p:cxnSp>
+        <p:nvCxnSpPr>
+          <p:cNvPr id="55" name="Straight Connector 41">
+            <a:extLst>
+              <a:ext uri="{FF2B5EF4-FFF2-40B4-BE49-F238E27FC236}">
+                <a16:creationId xmlns:a16="http://schemas.microsoft.com/office/drawing/2014/main" id="{C884B8F8-FDC9-498B-9960-5D7260AFCB03}"/>
+              </a:ext>
+              <a:ext uri="{C183D7F6-B498-43B3-948B-1728B52AA6E4}">
+                <adec:decorative xmlns:adec="http://schemas.microsoft.com/office/drawing/2017/decorative" val="1"/>
+              </a:ext>
+            </a:extLst>
+          </p:cNvPr>
+          <p:cNvCxnSpPr>
+            <a:cxnSpLocks noGrp="1" noRot="1" noChangeAspect="1" noMove="1" noResize="1" noEditPoints="1" noAdjustHandles="1" noChangeArrowheads="1" noChangeShapeType="1"/>
+          </p:cNvCxnSpPr>
+          <p:nvPr>
+            <p:extLst>
+              <p:ext uri="{386F3935-93C4-4BCD-93E2-E3B085C9AB24}">
+                <p16:designElem xmlns:p16="http://schemas.microsoft.com/office/powerpoint/2015/main" val="1"/>
+              </p:ext>
+            </p:extLst>
+          </p:nvPr>
+        </p:nvCxnSpPr>
+        <p:spPr>
+          <a:xfrm>
+            <a:off x="1453896" y="1847088"/>
+            <a:ext cx="4177373" cy="0"/>
+          </a:xfrm>
+          <a:prstGeom prst="line">
+            <a:avLst/>
+          </a:prstGeom>
+          <a:ln w="31750"/>
+        </p:spPr>
+        <p:style>
+          <a:lnRef idx="3">
+            <a:schemeClr val="accent1"/>
+          </a:lnRef>
+          <a:fillRef idx="0">
+            <a:schemeClr val="accent1"/>
+          </a:fillRef>
+          <a:effectRef idx="2">
+            <a:schemeClr val="accent1"/>
+          </a:effectRef>
+          <a:fontRef idx="minor">
+            <a:schemeClr val="tx1"/>
+          </a:fontRef>
+        </p:style>
+      </p:cxnSp>
       <p:sp>
         <p:nvSpPr>
-          <p:cNvPr id="19" name="Rectangle 18">
+          <p:cNvPr id="56" name="Rectangle 43">
             <a:extLst>
               <a:ext uri="{FF2B5EF4-FFF2-40B4-BE49-F238E27FC236}">
-                <a16:creationId xmlns:a16="http://schemas.microsoft.com/office/drawing/2014/main" id="{AE27932B-B694-4C4C-90D7-A0333A7C5876}"/>
+                <a16:creationId xmlns:a16="http://schemas.microsoft.com/office/drawing/2014/main" id="{EF2A81E1-BCBE-426B-8C09-33274E69409D}"/>
               </a:ext>
               <a:ext uri="{C183D7F6-B498-43B3-948B-1728B52AA6E4}">
                 <adec:decorative xmlns:adec="http://schemas.microsoft.com/office/drawing/2017/decorative" val="1"/>
@@ -11573,121 +11775,88 @@
           </a:p>
         </p:txBody>
       </p:sp>
-      <p:cxnSp>
-        <p:nvCxnSpPr>
-          <p:cNvPr id="21" name="Straight Connector 20">
+      <p:sp>
+        <p:nvSpPr>
+          <p:cNvPr id="3" name="TextBox 2">
             <a:extLst>
               <a:ext uri="{FF2B5EF4-FFF2-40B4-BE49-F238E27FC236}">
-                <a16:creationId xmlns:a16="http://schemas.microsoft.com/office/drawing/2014/main" id="{9EBB0476-5CF0-4F44-8D68-5D42D7AEE43A}"/>
-              </a:ext>
-              <a:ext uri="{C183D7F6-B498-43B3-948B-1728B52AA6E4}">
-                <adec:decorative xmlns:adec="http://schemas.microsoft.com/office/drawing/2017/decorative" val="1"/>
+                <a16:creationId xmlns:a16="http://schemas.microsoft.com/office/drawing/2014/main" id="{624B9E93-CAAF-6741-A3EF-E5277F397C1C}"/>
               </a:ext>
             </a:extLst>
           </p:cNvPr>
-          <p:cNvCxnSpPr>
-            <a:cxnSpLocks noGrp="1" noRot="1" noChangeAspect="1" noMove="1" noResize="1" noEditPoints="1" noAdjustHandles="1" noChangeArrowheads="1" noChangeShapeType="1"/>
-          </p:cNvCxnSpPr>
-          <p:nvPr>
-            <p:extLst>
-              <p:ext uri="{386F3935-93C4-4BCD-93E2-E3B085C9AB24}">
-                <p16:designElem xmlns:p16="http://schemas.microsoft.com/office/powerpoint/2015/main" val="1"/>
-              </p:ext>
-            </p:extLst>
-          </p:nvPr>
-        </p:nvCxnSpPr>
-        <p:spPr>
-          <a:xfrm>
-            <a:off x="1451579" y="2146542"/>
-            <a:ext cx="3272094" cy="0"/>
-          </a:xfrm>
-          <a:prstGeom prst="line">
-            <a:avLst/>
-          </a:prstGeom>
-          <a:ln w="31750"/>
-        </p:spPr>
-        <p:style>
-          <a:lnRef idx="3">
-            <a:schemeClr val="accent1"/>
-          </a:lnRef>
-          <a:fillRef idx="0">
-            <a:schemeClr val="accent1"/>
-          </a:fillRef>
-          <a:effectRef idx="2">
-            <a:schemeClr val="accent1"/>
-          </a:effectRef>
-          <a:fontRef idx="minor">
-            <a:schemeClr val="tx1"/>
-          </a:fontRef>
-        </p:style>
-      </p:cxnSp>
-      <p:sp>
-        <p:nvSpPr>
-          <p:cNvPr id="23" name="Title 1">
-            <a:extLst>
-              <a:ext uri="{FF2B5EF4-FFF2-40B4-BE49-F238E27FC236}">
-                <a16:creationId xmlns:a16="http://schemas.microsoft.com/office/drawing/2014/main" id="{A9DA474E-6B91-4200-840F-0257B2358A75}"/>
-              </a:ext>
-              <a:ext uri="{C183D7F6-B498-43B3-948B-1728B52AA6E4}">
-                <adec:decorative xmlns:adec="http://schemas.microsoft.com/office/drawing/2017/decorative" val="1"/>
-              </a:ext>
-            </a:extLst>
-          </p:cNvPr>
-          <p:cNvSpPr txBox="1">
-            <a:spLocks noGrp="1" noRot="1" noChangeAspect="1" noMove="1" noResize="1" noEditPoints="1" noAdjustHandles="1" noChangeArrowheads="1" noChangeShapeType="1" noTextEdit="1"/>
-          </p:cNvSpPr>
-          <p:nvPr>
-            <p:extLst>
-              <p:ext uri="{386F3935-93C4-4BCD-93E2-E3B085C9AB24}">
-                <p16:designElem xmlns:p16="http://schemas.microsoft.com/office/powerpoint/2015/main" val="1"/>
-              </p:ext>
-            </p:extLst>
-          </p:nvPr>
+          <p:cNvSpPr txBox="1"/>
+          <p:nvPr/>
         </p:nvSpPr>
         <p:spPr>
           <a:xfrm>
-            <a:off x="1451580" y="3122496"/>
-            <a:ext cx="3530157" cy="1049235"/>
+            <a:off x="3014133" y="5734756"/>
+            <a:ext cx="8262198" cy="369332"/>
           </a:xfrm>
           <a:prstGeom prst="rect">
             <a:avLst/>
           </a:prstGeom>
+          <a:noFill/>
         </p:spPr>
         <p:txBody>
-          <a:bodyPr vert="horz" lIns="91440" tIns="45720" rIns="91440" bIns="45720" rtlCol="0" anchor="t">
-            <a:normAutofit/>
+          <a:bodyPr wrap="none" rtlCol="0">
+            <a:spAutoFit/>
           </a:bodyPr>
-          <a:lstStyle>
-            <a:lvl1pPr algn="l" defTabSz="914400" rtl="0" eaLnBrk="1" latinLnBrk="0" hangingPunct="1">
-              <a:lnSpc>
-                <a:spcPct val="90000"/>
-              </a:lnSpc>
-              <a:spcBef>
-                <a:spcPct val="0"/>
-              </a:spcBef>
-              <a:buNone/>
-              <a:defRPr sz="3200" b="0" i="0" kern="1200" cap="all">
+          <a:lstStyle/>
+          <a:p>
+            <a:pPr>
+              <a:spcAft>
+                <a:spcPts val="600"/>
+              </a:spcAft>
+            </a:pPr>
+            <a:r>
+              <a:rPr lang="en-US" dirty="0">
                 <a:solidFill>
-                  <a:schemeClr val="tx1"/>
+                  <a:srgbClr val="0070C0"/>
                 </a:solidFill>
-                <a:effectLst/>
-                <a:latin typeface="+mj-lt"/>
-                <a:ea typeface="+mj-ea"/>
-                <a:cs typeface="+mj-cs"/>
-              </a:defRPr>
-            </a:lvl1pPr>
-          </a:lstStyle>
-          <a:p>
-            <a:endParaRPr lang="en-US" dirty="0"/>
+              </a:rPr>
+              <a:t>Complete Research at  https://</a:t>
+            </a:r>
+            <a:r>
+              <a:rPr lang="en-US" dirty="0" err="1">
+                <a:solidFill>
+                  <a:srgbClr val="0070C0"/>
+                </a:solidFill>
+              </a:rPr>
+              <a:t>github.com</a:t>
+            </a:r>
+            <a:r>
+              <a:rPr lang="en-US" dirty="0">
+                <a:solidFill>
+                  <a:srgbClr val="0070C0"/>
+                </a:solidFill>
+              </a:rPr>
+              <a:t>/</a:t>
+            </a:r>
+            <a:r>
+              <a:rPr lang="en-US" dirty="0" err="1">
+                <a:solidFill>
+                  <a:srgbClr val="0070C0"/>
+                </a:solidFill>
+              </a:rPr>
+              <a:t>bSharpCyclist</a:t>
+            </a:r>
+            <a:r>
+              <a:rPr lang="en-US" dirty="0">
+                <a:solidFill>
+                  <a:srgbClr val="0070C0"/>
+                </a:solidFill>
+              </a:rPr>
+              <a:t>/MSDS-6306---Case-Study-2.git</a:t>
+            </a:r>
           </a:p>
         </p:txBody>
       </p:sp>
       <p:pic>
         <p:nvPicPr>
-          <p:cNvPr id="25" name="Picture 24">
+          <p:cNvPr id="57" name="Picture 45">
             <a:extLst>
               <a:ext uri="{FF2B5EF4-FFF2-40B4-BE49-F238E27FC236}">
-                <a16:creationId xmlns:a16="http://schemas.microsoft.com/office/drawing/2014/main" id="{DF63C9AD-AE6E-4512-8171-91612E84CCFB}"/>
+                <a16:creationId xmlns:a16="http://schemas.microsoft.com/office/drawing/2014/main" id="{39D1DDD4-5BB3-45BA-B9B3-06B62299AD79}"/>
               </a:ext>
               <a:ext uri="{C183D7F6-B498-43B3-948B-1728B52AA6E4}">
                 <adec:decorative xmlns:adec="http://schemas.microsoft.com/office/drawing/2017/decorative" val="1"/>
@@ -11728,10 +11897,10 @@
       </p:pic>
       <p:cxnSp>
         <p:nvCxnSpPr>
-          <p:cNvPr id="27" name="Straight Connector 26">
+          <p:cNvPr id="48" name="Straight Connector 47">
             <a:extLst>
               <a:ext uri="{FF2B5EF4-FFF2-40B4-BE49-F238E27FC236}">
-                <a16:creationId xmlns:a16="http://schemas.microsoft.com/office/drawing/2014/main" id="{FE1A49CE-B63D-457A-A180-1C883E1A63D2}"/>
+                <a16:creationId xmlns:a16="http://schemas.microsoft.com/office/drawing/2014/main" id="{A24DAE64-2302-42EA-8239-F2F0775CA5AD}"/>
               </a:ext>
               <a:ext uri="{C183D7F6-B498-43B3-948B-1728B52AA6E4}">
                 <adec:decorative xmlns:adec="http://schemas.microsoft.com/office/drawing/2017/decorative" val="1"/>
@@ -11793,14 +11962,14 @@
           <p:nvPr>
             <p:extLst>
               <p:ext uri="{D42A27DB-BD31-4B8C-83A1-F6EECF244321}">
-                <p14:modId xmlns:p14="http://schemas.microsoft.com/office/powerpoint/2010/main" val="882889129"/>
+                <p14:modId xmlns:p14="http://schemas.microsoft.com/office/powerpoint/2010/main" val="4206073400"/>
               </p:ext>
             </p:extLst>
           </p:nvPr>
         </p:nvGraphicFramePr>
         <p:xfrm>
-          <a:off x="5141913" y="803275"/>
-          <a:ext cx="5913437" cy="4637088"/>
+          <a:off x="1451581" y="2015732"/>
+          <a:ext cx="4172212" cy="3450613"/>
         </p:xfrm>
         <a:graphic>
           <a:graphicData uri="http://schemas.openxmlformats.org/drawingml/2006/diagram">
